--- a/webpack-introduction.pptx
+++ b/webpack-introduction.pptx
@@ -4,6 +4,9 @@
   <p:sldMasterIdLst>
     <p:sldMasterId id="2147483648" r:id="rId1"/>
   </p:sldMasterIdLst>
+  <p:notesMasterIdLst>
+    <p:notesMasterId r:id="rId45"/>
+  </p:notesMasterIdLst>
   <p:sldIdLst>
     <p:sldId id="256" r:id="rId2"/>
     <p:sldId id="257" r:id="rId3"/>
@@ -42,6 +45,12 @@
     <p:sldId id="290" r:id="rId36"/>
     <p:sldId id="291" r:id="rId37"/>
     <p:sldId id="292" r:id="rId38"/>
+    <p:sldId id="293" r:id="rId39"/>
+    <p:sldId id="294" r:id="rId40"/>
+    <p:sldId id="295" r:id="rId41"/>
+    <p:sldId id="296" r:id="rId42"/>
+    <p:sldId id="298" r:id="rId43"/>
+    <p:sldId id="299" r:id="rId44"/>
   </p:sldIdLst>
   <p:sldSz cx="9144000" cy="5143500" type="screen16x9"/>
   <p:notesSz cx="6858000" cy="9144000"/>
@@ -182,6 +191,12 @@
             <p14:sldId id="290"/>
             <p14:sldId id="291"/>
             <p14:sldId id="292"/>
+            <p14:sldId id="293"/>
+            <p14:sldId id="294"/>
+            <p14:sldId id="295"/>
+            <p14:sldId id="296"/>
+            <p14:sldId id="298"/>
+            <p14:sldId id="299"/>
           </p14:sldIdLst>
         </p14:section>
       </p14:sectionLst>
@@ -202,6 +217,439 @@
     </p:ext>
   </p:extLst>
 </p:presentation>
+</file>
+
+<file path=ppt/notesMasters/notesMaster1.xml><?xml version="1.0" encoding="utf-8"?>
+<p:notesMaster xmlns:a="http://schemas.openxmlformats.org/drawingml/2006/main" xmlns:r="http://schemas.openxmlformats.org/officeDocument/2006/relationships" xmlns:p="http://schemas.openxmlformats.org/presentationml/2006/main">
+  <p:cSld>
+    <p:bg>
+      <p:bgRef idx="1001">
+        <a:schemeClr val="bg1"/>
+      </p:bgRef>
+    </p:bg>
+    <p:spTree>
+      <p:nvGrpSpPr>
+        <p:cNvPr id="1" name=""/>
+        <p:cNvGrpSpPr/>
+        <p:nvPr/>
+      </p:nvGrpSpPr>
+      <p:grpSpPr>
+        <a:xfrm>
+          <a:off x="0" y="0"/>
+          <a:ext cx="0" cy="0"/>
+          <a:chOff x="0" y="0"/>
+          <a:chExt cx="0" cy="0"/>
+        </a:xfrm>
+      </p:grpSpPr>
+      <p:sp>
+        <p:nvSpPr>
+          <p:cNvPr id="2" name="Header Placeholder 1"/>
+          <p:cNvSpPr>
+            <a:spLocks noGrp="1"/>
+          </p:cNvSpPr>
+          <p:nvPr>
+            <p:ph type="hdr" sz="quarter"/>
+          </p:nvPr>
+        </p:nvSpPr>
+        <p:spPr>
+          <a:xfrm>
+            <a:off x="0" y="0"/>
+            <a:ext cx="2971800" cy="458788"/>
+          </a:xfrm>
+          <a:prstGeom prst="rect">
+            <a:avLst/>
+          </a:prstGeom>
+        </p:spPr>
+        <p:txBody>
+          <a:bodyPr vert="horz" lIns="91440" tIns="45720" rIns="91440" bIns="45720" rtlCol="0"/>
+          <a:lstStyle>
+            <a:lvl1pPr algn="l">
+              <a:defRPr sz="1200"/>
+            </a:lvl1pPr>
+          </a:lstStyle>
+          <a:p>
+            <a:endParaRPr lang="en-US"/>
+          </a:p>
+        </p:txBody>
+      </p:sp>
+      <p:sp>
+        <p:nvSpPr>
+          <p:cNvPr id="3" name="Date Placeholder 2"/>
+          <p:cNvSpPr>
+            <a:spLocks noGrp="1"/>
+          </p:cNvSpPr>
+          <p:nvPr>
+            <p:ph type="dt" idx="1"/>
+          </p:nvPr>
+        </p:nvSpPr>
+        <p:spPr>
+          <a:xfrm>
+            <a:off x="3884613" y="0"/>
+            <a:ext cx="2971800" cy="458788"/>
+          </a:xfrm>
+          <a:prstGeom prst="rect">
+            <a:avLst/>
+          </a:prstGeom>
+        </p:spPr>
+        <p:txBody>
+          <a:bodyPr vert="horz" lIns="91440" tIns="45720" rIns="91440" bIns="45720" rtlCol="0"/>
+          <a:lstStyle>
+            <a:lvl1pPr algn="r">
+              <a:defRPr sz="1200"/>
+            </a:lvl1pPr>
+          </a:lstStyle>
+          <a:p>
+            <a:fld id="{D13DFB7A-6BDE-4A91-AA23-4B1C85352FC7}" type="datetimeFigureOut">
+              <a:rPr lang="en-US" smtClean="0"/>
+              <a:t>4/12/2017</a:t>
+            </a:fld>
+            <a:endParaRPr lang="en-US"/>
+          </a:p>
+        </p:txBody>
+      </p:sp>
+      <p:sp>
+        <p:nvSpPr>
+          <p:cNvPr id="4" name="Slide Image Placeholder 3"/>
+          <p:cNvSpPr>
+            <a:spLocks noGrp="1" noRot="1" noChangeAspect="1"/>
+          </p:cNvSpPr>
+          <p:nvPr>
+            <p:ph type="sldImg" idx="2"/>
+          </p:nvPr>
+        </p:nvSpPr>
+        <p:spPr>
+          <a:xfrm>
+            <a:off x="685800" y="1143000"/>
+            <a:ext cx="5486400" cy="3086100"/>
+          </a:xfrm>
+          <a:prstGeom prst="rect">
+            <a:avLst/>
+          </a:prstGeom>
+          <a:noFill/>
+          <a:ln w="12700">
+            <a:solidFill>
+              <a:prstClr val="black"/>
+            </a:solidFill>
+          </a:ln>
+        </p:spPr>
+        <p:txBody>
+          <a:bodyPr vert="horz" lIns="91440" tIns="45720" rIns="91440" bIns="45720" rtlCol="0" anchor="ctr"/>
+          <a:lstStyle/>
+          <a:p>
+            <a:endParaRPr lang="en-US"/>
+          </a:p>
+        </p:txBody>
+      </p:sp>
+      <p:sp>
+        <p:nvSpPr>
+          <p:cNvPr id="5" name="Notes Placeholder 4"/>
+          <p:cNvSpPr>
+            <a:spLocks noGrp="1"/>
+          </p:cNvSpPr>
+          <p:nvPr>
+            <p:ph type="body" sz="quarter" idx="3"/>
+          </p:nvPr>
+        </p:nvSpPr>
+        <p:spPr>
+          <a:xfrm>
+            <a:off x="685800" y="4400550"/>
+            <a:ext cx="5486400" cy="3600450"/>
+          </a:xfrm>
+          <a:prstGeom prst="rect">
+            <a:avLst/>
+          </a:prstGeom>
+        </p:spPr>
+        <p:txBody>
+          <a:bodyPr vert="horz" lIns="91440" tIns="45720" rIns="91440" bIns="45720" rtlCol="0"/>
+          <a:lstStyle/>
+          <a:p>
+            <a:pPr lvl="0"/>
+            <a:r>
+              <a:rPr lang="en-US"/>
+              <a:t>Edit Master text styles</a:t>
+            </a:r>
+          </a:p>
+          <a:p>
+            <a:pPr lvl="1"/>
+            <a:r>
+              <a:rPr lang="en-US"/>
+              <a:t>Second level</a:t>
+            </a:r>
+          </a:p>
+          <a:p>
+            <a:pPr lvl="2"/>
+            <a:r>
+              <a:rPr lang="en-US"/>
+              <a:t>Third level</a:t>
+            </a:r>
+          </a:p>
+          <a:p>
+            <a:pPr lvl="3"/>
+            <a:r>
+              <a:rPr lang="en-US"/>
+              <a:t>Fourth level</a:t>
+            </a:r>
+          </a:p>
+          <a:p>
+            <a:pPr lvl="4"/>
+            <a:r>
+              <a:rPr lang="en-US"/>
+              <a:t>Fifth level</a:t>
+            </a:r>
+          </a:p>
+        </p:txBody>
+      </p:sp>
+      <p:sp>
+        <p:nvSpPr>
+          <p:cNvPr id="6" name="Footer Placeholder 5"/>
+          <p:cNvSpPr>
+            <a:spLocks noGrp="1"/>
+          </p:cNvSpPr>
+          <p:nvPr>
+            <p:ph type="ftr" sz="quarter" idx="4"/>
+          </p:nvPr>
+        </p:nvSpPr>
+        <p:spPr>
+          <a:xfrm>
+            <a:off x="0" y="8685213"/>
+            <a:ext cx="2971800" cy="458787"/>
+          </a:xfrm>
+          <a:prstGeom prst="rect">
+            <a:avLst/>
+          </a:prstGeom>
+        </p:spPr>
+        <p:txBody>
+          <a:bodyPr vert="horz" lIns="91440" tIns="45720" rIns="91440" bIns="45720" rtlCol="0" anchor="b"/>
+          <a:lstStyle>
+            <a:lvl1pPr algn="l">
+              <a:defRPr sz="1200"/>
+            </a:lvl1pPr>
+          </a:lstStyle>
+          <a:p>
+            <a:endParaRPr lang="en-US"/>
+          </a:p>
+        </p:txBody>
+      </p:sp>
+      <p:sp>
+        <p:nvSpPr>
+          <p:cNvPr id="7" name="Slide Number Placeholder 6"/>
+          <p:cNvSpPr>
+            <a:spLocks noGrp="1"/>
+          </p:cNvSpPr>
+          <p:nvPr>
+            <p:ph type="sldNum" sz="quarter" idx="5"/>
+          </p:nvPr>
+        </p:nvSpPr>
+        <p:spPr>
+          <a:xfrm>
+            <a:off x="3884613" y="8685213"/>
+            <a:ext cx="2971800" cy="458787"/>
+          </a:xfrm>
+          <a:prstGeom prst="rect">
+            <a:avLst/>
+          </a:prstGeom>
+        </p:spPr>
+        <p:txBody>
+          <a:bodyPr vert="horz" lIns="91440" tIns="45720" rIns="91440" bIns="45720" rtlCol="0" anchor="b"/>
+          <a:lstStyle>
+            <a:lvl1pPr algn="r">
+              <a:defRPr sz="1200"/>
+            </a:lvl1pPr>
+          </a:lstStyle>
+          <a:p>
+            <a:fld id="{BDF880D2-CBAC-42D3-8A9D-B9B4BFEC8BB2}" type="slidenum">
+              <a:rPr lang="en-US" smtClean="0"/>
+              <a:t>‹#›</a:t>
+            </a:fld>
+            <a:endParaRPr lang="en-US"/>
+          </a:p>
+        </p:txBody>
+      </p:sp>
+    </p:spTree>
+    <p:extLst>
+      <p:ext uri="{BB962C8B-B14F-4D97-AF65-F5344CB8AC3E}">
+        <p14:creationId xmlns:p14="http://schemas.microsoft.com/office/powerpoint/2010/main" val="1961900415"/>
+      </p:ext>
+    </p:extLst>
+  </p:cSld>
+  <p:clrMap bg1="lt1" tx1="dk1" bg2="lt2" tx2="dk2" accent1="accent1" accent2="accent2" accent3="accent3" accent4="accent4" accent5="accent5" accent6="accent6" hlink="hlink" folHlink="folHlink"/>
+  <p:notesStyle>
+    <a:lvl1pPr marL="0" algn="l" defTabSz="914400" rtl="0" eaLnBrk="1" latinLnBrk="0" hangingPunct="1">
+      <a:defRPr sz="1200" kern="1200">
+        <a:solidFill>
+          <a:schemeClr val="tx1"/>
+        </a:solidFill>
+        <a:latin typeface="+mn-lt"/>
+        <a:ea typeface="+mn-ea"/>
+        <a:cs typeface="+mn-cs"/>
+      </a:defRPr>
+    </a:lvl1pPr>
+    <a:lvl2pPr marL="457200" algn="l" defTabSz="914400" rtl="0" eaLnBrk="1" latinLnBrk="0" hangingPunct="1">
+      <a:defRPr sz="1200" kern="1200">
+        <a:solidFill>
+          <a:schemeClr val="tx1"/>
+        </a:solidFill>
+        <a:latin typeface="+mn-lt"/>
+        <a:ea typeface="+mn-ea"/>
+        <a:cs typeface="+mn-cs"/>
+      </a:defRPr>
+    </a:lvl2pPr>
+    <a:lvl3pPr marL="914400" algn="l" defTabSz="914400" rtl="0" eaLnBrk="1" latinLnBrk="0" hangingPunct="1">
+      <a:defRPr sz="1200" kern="1200">
+        <a:solidFill>
+          <a:schemeClr val="tx1"/>
+        </a:solidFill>
+        <a:latin typeface="+mn-lt"/>
+        <a:ea typeface="+mn-ea"/>
+        <a:cs typeface="+mn-cs"/>
+      </a:defRPr>
+    </a:lvl3pPr>
+    <a:lvl4pPr marL="1371600" algn="l" defTabSz="914400" rtl="0" eaLnBrk="1" latinLnBrk="0" hangingPunct="1">
+      <a:defRPr sz="1200" kern="1200">
+        <a:solidFill>
+          <a:schemeClr val="tx1"/>
+        </a:solidFill>
+        <a:latin typeface="+mn-lt"/>
+        <a:ea typeface="+mn-ea"/>
+        <a:cs typeface="+mn-cs"/>
+      </a:defRPr>
+    </a:lvl4pPr>
+    <a:lvl5pPr marL="1828800" algn="l" defTabSz="914400" rtl="0" eaLnBrk="1" latinLnBrk="0" hangingPunct="1">
+      <a:defRPr sz="1200" kern="1200">
+        <a:solidFill>
+          <a:schemeClr val="tx1"/>
+        </a:solidFill>
+        <a:latin typeface="+mn-lt"/>
+        <a:ea typeface="+mn-ea"/>
+        <a:cs typeface="+mn-cs"/>
+      </a:defRPr>
+    </a:lvl5pPr>
+    <a:lvl6pPr marL="2286000" algn="l" defTabSz="914400" rtl="0" eaLnBrk="1" latinLnBrk="0" hangingPunct="1">
+      <a:defRPr sz="1200" kern="1200">
+        <a:solidFill>
+          <a:schemeClr val="tx1"/>
+        </a:solidFill>
+        <a:latin typeface="+mn-lt"/>
+        <a:ea typeface="+mn-ea"/>
+        <a:cs typeface="+mn-cs"/>
+      </a:defRPr>
+    </a:lvl6pPr>
+    <a:lvl7pPr marL="2743200" algn="l" defTabSz="914400" rtl="0" eaLnBrk="1" latinLnBrk="0" hangingPunct="1">
+      <a:defRPr sz="1200" kern="1200">
+        <a:solidFill>
+          <a:schemeClr val="tx1"/>
+        </a:solidFill>
+        <a:latin typeface="+mn-lt"/>
+        <a:ea typeface="+mn-ea"/>
+        <a:cs typeface="+mn-cs"/>
+      </a:defRPr>
+    </a:lvl7pPr>
+    <a:lvl8pPr marL="3200400" algn="l" defTabSz="914400" rtl="0" eaLnBrk="1" latinLnBrk="0" hangingPunct="1">
+      <a:defRPr sz="1200" kern="1200">
+        <a:solidFill>
+          <a:schemeClr val="tx1"/>
+        </a:solidFill>
+        <a:latin typeface="+mn-lt"/>
+        <a:ea typeface="+mn-ea"/>
+        <a:cs typeface="+mn-cs"/>
+      </a:defRPr>
+    </a:lvl8pPr>
+    <a:lvl9pPr marL="3657600" algn="l" defTabSz="914400" rtl="0" eaLnBrk="1" latinLnBrk="0" hangingPunct="1">
+      <a:defRPr sz="1200" kern="1200">
+        <a:solidFill>
+          <a:schemeClr val="tx1"/>
+        </a:solidFill>
+        <a:latin typeface="+mn-lt"/>
+        <a:ea typeface="+mn-ea"/>
+        <a:cs typeface="+mn-cs"/>
+      </a:defRPr>
+    </a:lvl9pPr>
+  </p:notesStyle>
+</p:notesMaster>
+</file>
+
+<file path=ppt/notesSlides/notesSlide1.xml><?xml version="1.0" encoding="utf-8"?>
+<p:notes xmlns:a="http://schemas.openxmlformats.org/drawingml/2006/main" xmlns:r="http://schemas.openxmlformats.org/officeDocument/2006/relationships" xmlns:p="http://schemas.openxmlformats.org/presentationml/2006/main">
+  <p:cSld>
+    <p:spTree>
+      <p:nvGrpSpPr>
+        <p:cNvPr id="1" name=""/>
+        <p:cNvGrpSpPr/>
+        <p:nvPr/>
+      </p:nvGrpSpPr>
+      <p:grpSpPr>
+        <a:xfrm>
+          <a:off x="0" y="0"/>
+          <a:ext cx="0" cy="0"/>
+          <a:chOff x="0" y="0"/>
+          <a:chExt cx="0" cy="0"/>
+        </a:xfrm>
+      </p:grpSpPr>
+      <p:sp>
+        <p:nvSpPr>
+          <p:cNvPr id="2" name="Slide Image Placeholder 1"/>
+          <p:cNvSpPr>
+            <a:spLocks noGrp="1" noRot="1" noChangeAspect="1"/>
+          </p:cNvSpPr>
+          <p:nvPr>
+            <p:ph type="sldImg"/>
+          </p:nvPr>
+        </p:nvSpPr>
+        <p:spPr/>
+      </p:sp>
+      <p:sp>
+        <p:nvSpPr>
+          <p:cNvPr id="3" name="Notes Placeholder 2"/>
+          <p:cNvSpPr>
+            <a:spLocks noGrp="1"/>
+          </p:cNvSpPr>
+          <p:nvPr>
+            <p:ph type="body" idx="1"/>
+          </p:nvPr>
+        </p:nvSpPr>
+        <p:spPr/>
+        <p:txBody>
+          <a:bodyPr/>
+          <a:lstStyle/>
+          <a:p>
+            <a:endParaRPr lang="en-US" dirty="0"/>
+          </a:p>
+        </p:txBody>
+      </p:sp>
+      <p:sp>
+        <p:nvSpPr>
+          <p:cNvPr id="4" name="Slide Number Placeholder 3"/>
+          <p:cNvSpPr>
+            <a:spLocks noGrp="1"/>
+          </p:cNvSpPr>
+          <p:nvPr>
+            <p:ph type="sldNum" sz="quarter" idx="10"/>
+          </p:nvPr>
+        </p:nvSpPr>
+        <p:spPr/>
+        <p:txBody>
+          <a:bodyPr/>
+          <a:lstStyle/>
+          <a:p>
+            <a:fld id="{BDF880D2-CBAC-42D3-8A9D-B9B4BFEC8BB2}" type="slidenum">
+              <a:rPr lang="en-US" smtClean="0"/>
+              <a:t>42</a:t>
+            </a:fld>
+            <a:endParaRPr lang="en-US"/>
+          </a:p>
+        </p:txBody>
+      </p:sp>
+    </p:spTree>
+    <p:extLst>
+      <p:ext uri="{BB962C8B-B14F-4D97-AF65-F5344CB8AC3E}">
+        <p14:creationId xmlns:p14="http://schemas.microsoft.com/office/powerpoint/2010/main" val="432546472"/>
+      </p:ext>
+    </p:extLst>
+  </p:cSld>
+  <p:clrMapOvr>
+    <a:masterClrMapping/>
+  </p:clrMapOvr>
+</p:notes>
 </file>
 
 <file path=ppt/slideLayouts/slideLayout1.xml><?xml version="1.0" encoding="utf-8"?>
@@ -2774,7 +3222,9 @@
         </p:nvSpPr>
         <p:spPr/>
         <p:txBody>
-          <a:bodyPr/>
+          <a:bodyPr>
+            <a:normAutofit fontScale="90000"/>
+          </a:bodyPr>
           <a:lstStyle/>
           <a:p>
             <a:r>
@@ -2785,7 +3235,31 @@
               <a:rPr lang="en-US" dirty="0" err="1"/>
               <a:t>Webpack</a:t>
             </a:r>
-            <a:endParaRPr lang="en-US" dirty="0"/>
+            <a:br>
+              <a:rPr lang="en-US" dirty="0"/>
+            </a:br>
+            <a:br>
+              <a:rPr lang="en-US" dirty="0"/>
+            </a:br>
+            <a:br>
+              <a:rPr lang="en-US" dirty="0"/>
+            </a:br>
+            <a:br>
+              <a:rPr lang="en-US" dirty="0"/>
+            </a:br>
+            <a:br>
+              <a:rPr lang="en-US" dirty="0"/>
+            </a:br>
+            <a:br>
+              <a:rPr lang="en-US" dirty="0"/>
+            </a:br>
+            <a:br>
+              <a:rPr lang="en-US" dirty="0"/>
+            </a:br>
+            <a:r>
+              <a:rPr lang="en-US" dirty="0"/>
+              <a:t>Vedran Zakanj</a:t>
+            </a:r>
           </a:p>
         </p:txBody>
       </p:sp>
@@ -9303,7 +9777,9 @@
         </p:nvSpPr>
         <p:spPr/>
         <p:txBody>
-          <a:bodyPr/>
+          <a:bodyPr>
+            <a:normAutofit lnSpcReduction="10000"/>
+          </a:bodyPr>
           <a:lstStyle/>
           <a:p>
             <a:pPr marL="457200" indent="-457200">
@@ -9330,11 +9806,19 @@
             </a:pPr>
             <a:r>
               <a:rPr lang="en-US" dirty="0" err="1"/>
-              <a:t>ommons</a:t>
-            </a:r>
-            <a:r>
-              <a:rPr lang="en-US" dirty="0"/>
-              <a:t>-chunk-plugin, </a:t>
+              <a:t>uglifyjs</a:t>
+            </a:r>
+            <a:r>
+              <a:rPr lang="en-US" dirty="0"/>
+              <a:t>-</a:t>
+            </a:r>
+            <a:r>
+              <a:rPr lang="en-US" dirty="0" err="1"/>
+              <a:t>webpack</a:t>
+            </a:r>
+            <a:r>
+              <a:rPr lang="en-US" dirty="0"/>
+              <a:t>-plugin, commons-chunk-plugin, </a:t>
             </a:r>
             <a:r>
               <a:rPr lang="en-US" dirty="0" err="1"/>
@@ -9671,12 +10155,162 @@
         </p:nvSpPr>
         <p:spPr/>
         <p:txBody>
-          <a:bodyPr/>
+          <a:bodyPr>
+            <a:normAutofit fontScale="40000" lnSpcReduction="20000"/>
+          </a:bodyPr>
           <a:lstStyle/>
           <a:p>
             <a:r>
-              <a:rPr lang="en-US" dirty="0"/>
-              <a:t>// webpack.config.js</a:t>
+              <a:rPr lang="en-US" dirty="0">
+                <a:solidFill>
+                  <a:srgbClr val="00B0F0"/>
+                </a:solidFill>
+              </a:rPr>
+              <a:t>// webpack.config.js rule</a:t>
+            </a:r>
+          </a:p>
+          <a:p>
+            <a:r>
+              <a:rPr lang="en-US" dirty="0"/>
+              <a:t>{</a:t>
+            </a:r>
+          </a:p>
+          <a:p>
+            <a:r>
+              <a:rPr lang="en-US" dirty="0"/>
+              <a:t>    test: /\.</a:t>
+            </a:r>
+            <a:r>
+              <a:rPr lang="en-US" dirty="0" err="1"/>
+              <a:t>scss</a:t>
+            </a:r>
+            <a:r>
+              <a:rPr lang="en-US" dirty="0"/>
+              <a:t>$/,</a:t>
+            </a:r>
+          </a:p>
+          <a:p>
+            <a:r>
+              <a:rPr lang="en-US" dirty="0"/>
+              <a:t>    exclude: /</a:t>
+            </a:r>
+            <a:r>
+              <a:rPr lang="en-US" dirty="0" err="1"/>
+              <a:t>node_modules</a:t>
+            </a:r>
+            <a:r>
+              <a:rPr lang="en-US" dirty="0"/>
+              <a:t>/,</a:t>
+            </a:r>
+          </a:p>
+          <a:p>
+            <a:r>
+              <a:rPr lang="en-US" dirty="0"/>
+              <a:t>    use: </a:t>
+            </a:r>
+            <a:r>
+              <a:rPr lang="en-US" dirty="0" err="1"/>
+              <a:t>ExtractTextPlugin.extract</a:t>
+            </a:r>
+            <a:r>
+              <a:rPr lang="en-US" dirty="0"/>
+              <a:t>({</a:t>
+            </a:r>
+          </a:p>
+          <a:p>
+            <a:r>
+              <a:rPr lang="en-US" dirty="0"/>
+              <a:t>         use: [ </a:t>
+            </a:r>
+          </a:p>
+          <a:p>
+            <a:r>
+              <a:rPr lang="en-US" dirty="0"/>
+              <a:t>            {</a:t>
+            </a:r>
+          </a:p>
+          <a:p>
+            <a:r>
+              <a:rPr lang="en-US" dirty="0"/>
+              <a:t>                  loader: "</a:t>
+            </a:r>
+            <a:r>
+              <a:rPr lang="en-US" dirty="0" err="1"/>
+              <a:t>css</a:t>
+            </a:r>
+            <a:r>
+              <a:rPr lang="en-US" dirty="0"/>
+              <a:t>-loader",</a:t>
+            </a:r>
+          </a:p>
+          <a:p>
+            <a:r>
+              <a:rPr lang="en-US" dirty="0"/>
+              <a:t>                  options: { </a:t>
+            </a:r>
+            <a:r>
+              <a:rPr lang="en-US" dirty="0" err="1"/>
+              <a:t>sourceMap</a:t>
+            </a:r>
+            <a:r>
+              <a:rPr lang="en-US" dirty="0"/>
+              <a:t>: true }</a:t>
+            </a:r>
+          </a:p>
+          <a:p>
+            <a:r>
+              <a:rPr lang="en-US" dirty="0"/>
+              <a:t>            }, </a:t>
+            </a:r>
+          </a:p>
+          <a:p>
+            <a:r>
+              <a:rPr lang="en-US" dirty="0"/>
+              <a:t>            {</a:t>
+            </a:r>
+          </a:p>
+          <a:p>
+            <a:r>
+              <a:rPr lang="en-US" dirty="0"/>
+              <a:t>                  loader: "sass-loader",</a:t>
+            </a:r>
+          </a:p>
+          <a:p>
+            <a:r>
+              <a:rPr lang="en-US" dirty="0"/>
+              <a:t>                  options: { </a:t>
+            </a:r>
+            <a:r>
+              <a:rPr lang="en-US" dirty="0" err="1"/>
+              <a:t>sourceMap</a:t>
+            </a:r>
+            <a:r>
+              <a:rPr lang="en-US" dirty="0"/>
+              <a:t>: true}</a:t>
+            </a:r>
+          </a:p>
+          <a:p>
+            <a:r>
+              <a:rPr lang="en-US" dirty="0"/>
+              <a:t>            } </a:t>
+            </a:r>
+          </a:p>
+          <a:p>
+            <a:r>
+              <a:rPr lang="en-US" dirty="0"/>
+              <a:t>        ]</a:t>
+            </a:r>
+          </a:p>
+          <a:p>
+            <a:r>
+              <a:rPr lang="en-US" dirty="0"/>
+              <a:t>    }) </a:t>
+            </a:r>
+          </a:p>
+          <a:p>
+            <a:r>
+              <a:rPr lang="en-US" dirty="0"/>
+              <a:t>}</a:t>
             </a:r>
           </a:p>
         </p:txBody>
@@ -9685,6 +10319,364 @@
     <p:extLst>
       <p:ext uri="{BB962C8B-B14F-4D97-AF65-F5344CB8AC3E}">
         <p14:creationId xmlns:p14="http://schemas.microsoft.com/office/powerpoint/2010/main" val="3494500993"/>
+      </p:ext>
+    </p:extLst>
+  </p:cSld>
+  <p:clrMapOvr>
+    <a:masterClrMapping/>
+  </p:clrMapOvr>
+</p:sld>
+</file>
+
+<file path=ppt/slides/slide38.xml><?xml version="1.0" encoding="utf-8"?>
+<p:sld xmlns:a="http://schemas.openxmlformats.org/drawingml/2006/main" xmlns:r="http://schemas.openxmlformats.org/officeDocument/2006/relationships" xmlns:p="http://schemas.openxmlformats.org/presentationml/2006/main">
+  <p:cSld>
+    <p:spTree>
+      <p:nvGrpSpPr>
+        <p:cNvPr id="1" name=""/>
+        <p:cNvGrpSpPr/>
+        <p:nvPr/>
+      </p:nvGrpSpPr>
+      <p:grpSpPr>
+        <a:xfrm>
+          <a:off x="0" y="0"/>
+          <a:ext cx="0" cy="0"/>
+          <a:chOff x="0" y="0"/>
+          <a:chExt cx="0" cy="0"/>
+        </a:xfrm>
+      </p:grpSpPr>
+      <p:sp>
+        <p:nvSpPr>
+          <p:cNvPr id="2" name="Title 1"/>
+          <p:cNvSpPr>
+            <a:spLocks noGrp="1"/>
+          </p:cNvSpPr>
+          <p:nvPr>
+            <p:ph type="title"/>
+          </p:nvPr>
+        </p:nvSpPr>
+        <p:spPr/>
+        <p:txBody>
+          <a:bodyPr/>
+          <a:lstStyle/>
+          <a:p>
+            <a:r>
+              <a:rPr lang="en-US" dirty="0" err="1"/>
+              <a:t>Webpack</a:t>
+            </a:r>
+            <a:r>
+              <a:rPr lang="en-US" dirty="0"/>
+              <a:t> – libraries</a:t>
+            </a:r>
+          </a:p>
+        </p:txBody>
+      </p:sp>
+      <p:sp>
+        <p:nvSpPr>
+          <p:cNvPr id="5" name="Content Placeholder 4"/>
+          <p:cNvSpPr>
+            <a:spLocks noGrp="1"/>
+          </p:cNvSpPr>
+          <p:nvPr>
+            <p:ph idx="1"/>
+          </p:nvPr>
+        </p:nvSpPr>
+        <p:spPr>
+          <a:xfrm>
+            <a:off x="590872" y="1347614"/>
+            <a:ext cx="7941568" cy="3312369"/>
+          </a:xfrm>
+        </p:spPr>
+        <p:txBody>
+          <a:bodyPr>
+            <a:normAutofit lnSpcReduction="10000"/>
+          </a:bodyPr>
+          <a:lstStyle/>
+          <a:p>
+            <a:pPr marL="457200" indent="-457200">
+              <a:buFontTx/>
+              <a:buChar char="-"/>
+            </a:pPr>
+            <a:r>
+              <a:rPr lang="en-US" dirty="0" err="1"/>
+              <a:t>webpack</a:t>
+            </a:r>
+            <a:r>
+              <a:rPr lang="en-US" dirty="0"/>
+              <a:t> can be used to build libraries consumed by other JS code</a:t>
+            </a:r>
+          </a:p>
+          <a:p>
+            <a:pPr marL="457200" indent="-457200">
+              <a:buFontTx/>
+              <a:buChar char="-"/>
+            </a:pPr>
+            <a:r>
+              <a:rPr lang="en-US" dirty="0"/>
+              <a:t>most flexible way to do this is to emit the library as an </a:t>
+            </a:r>
+            <a:r>
+              <a:rPr lang="en-US" dirty="0" err="1"/>
+              <a:t>umd</a:t>
+            </a:r>
+            <a:r>
+              <a:rPr lang="en-US" dirty="0"/>
+              <a:t> module which can then be consumed in all environments</a:t>
+            </a:r>
+          </a:p>
+          <a:p>
+            <a:pPr marL="457200" indent="-457200">
+              <a:buFontTx/>
+              <a:buChar char="-"/>
+            </a:pPr>
+            <a:r>
+              <a:rPr lang="en-US" dirty="0"/>
+              <a:t>It’s bad practice to bundle library dependencies with the library, much better to import them from the environment</a:t>
+            </a:r>
+          </a:p>
+        </p:txBody>
+      </p:sp>
+    </p:spTree>
+    <p:extLst>
+      <p:ext uri="{BB962C8B-B14F-4D97-AF65-F5344CB8AC3E}">
+        <p14:creationId xmlns:p14="http://schemas.microsoft.com/office/powerpoint/2010/main" val="2819681902"/>
+      </p:ext>
+    </p:extLst>
+  </p:cSld>
+  <p:clrMapOvr>
+    <a:masterClrMapping/>
+  </p:clrMapOvr>
+</p:sld>
+</file>
+
+<file path=ppt/slides/slide39.xml><?xml version="1.0" encoding="utf-8"?>
+<p:sld xmlns:a="http://schemas.openxmlformats.org/drawingml/2006/main" xmlns:r="http://schemas.openxmlformats.org/officeDocument/2006/relationships" xmlns:p="http://schemas.openxmlformats.org/presentationml/2006/main">
+  <p:cSld>
+    <p:spTree>
+      <p:nvGrpSpPr>
+        <p:cNvPr id="1" name=""/>
+        <p:cNvGrpSpPr/>
+        <p:nvPr/>
+      </p:nvGrpSpPr>
+      <p:grpSpPr>
+        <a:xfrm>
+          <a:off x="0" y="0"/>
+          <a:ext cx="0" cy="0"/>
+          <a:chOff x="0" y="0"/>
+          <a:chExt cx="0" cy="0"/>
+        </a:xfrm>
+      </p:grpSpPr>
+      <p:sp>
+        <p:nvSpPr>
+          <p:cNvPr id="2" name="Title 1"/>
+          <p:cNvSpPr>
+            <a:spLocks noGrp="1"/>
+          </p:cNvSpPr>
+          <p:nvPr>
+            <p:ph type="title"/>
+          </p:nvPr>
+        </p:nvSpPr>
+        <p:spPr/>
+        <p:txBody>
+          <a:bodyPr/>
+          <a:lstStyle/>
+          <a:p>
+            <a:r>
+              <a:rPr lang="en-US" dirty="0" err="1"/>
+              <a:t>Webpack</a:t>
+            </a:r>
+            <a:r>
+              <a:rPr lang="en-US" dirty="0"/>
+              <a:t> - libraries</a:t>
+            </a:r>
+          </a:p>
+        </p:txBody>
+      </p:sp>
+      <p:sp>
+        <p:nvSpPr>
+          <p:cNvPr id="4" name="Content Placeholder 3"/>
+          <p:cNvSpPr>
+            <a:spLocks noGrp="1"/>
+          </p:cNvSpPr>
+          <p:nvPr>
+            <p:ph idx="1"/>
+          </p:nvPr>
+        </p:nvSpPr>
+        <p:spPr/>
+        <p:txBody>
+          <a:bodyPr>
+            <a:normAutofit fontScale="77500" lnSpcReduction="20000"/>
+          </a:bodyPr>
+          <a:lstStyle/>
+          <a:p>
+            <a:r>
+              <a:rPr lang="en-US" dirty="0">
+                <a:solidFill>
+                  <a:srgbClr val="00B0F0"/>
+                </a:solidFill>
+              </a:rPr>
+              <a:t>// webpack.config.js output as library</a:t>
+            </a:r>
+          </a:p>
+          <a:p>
+            <a:r>
+              <a:rPr lang="en-US" dirty="0"/>
+              <a:t>output: {</a:t>
+            </a:r>
+          </a:p>
+          <a:p>
+            <a:r>
+              <a:rPr lang="en-US" dirty="0"/>
+              <a:t>        path: "</a:t>
+            </a:r>
+            <a:r>
+              <a:rPr lang="en-US" dirty="0" err="1"/>
+              <a:t>dist</a:t>
+            </a:r>
+            <a:r>
+              <a:rPr lang="en-US" dirty="0"/>
+              <a:t>",</a:t>
+            </a:r>
+          </a:p>
+          <a:p>
+            <a:r>
+              <a:rPr lang="en-US" dirty="0"/>
+              <a:t>        filename: "library-file-name.js",</a:t>
+            </a:r>
+          </a:p>
+          <a:p>
+            <a:r>
+              <a:rPr lang="en-US" dirty="0"/>
+              <a:t>        library: "</a:t>
+            </a:r>
+            <a:r>
+              <a:rPr lang="en-US" dirty="0" err="1"/>
+              <a:t>libraryName</a:t>
+            </a:r>
+            <a:r>
+              <a:rPr lang="en-US" dirty="0"/>
+              <a:t>",</a:t>
+            </a:r>
+          </a:p>
+          <a:p>
+            <a:r>
+              <a:rPr lang="en-US" dirty="0"/>
+              <a:t>        </a:t>
+            </a:r>
+            <a:r>
+              <a:rPr lang="en-US" dirty="0" err="1"/>
+              <a:t>libraryTarget</a:t>
+            </a:r>
+            <a:r>
+              <a:rPr lang="en-US" dirty="0"/>
+              <a:t>: "</a:t>
+            </a:r>
+            <a:r>
+              <a:rPr lang="en-US" dirty="0" err="1"/>
+              <a:t>umd</a:t>
+            </a:r>
+            <a:r>
+              <a:rPr lang="en-US" dirty="0"/>
+              <a:t>"</a:t>
+            </a:r>
+          </a:p>
+          <a:p>
+            <a:r>
+              <a:rPr lang="en-US" dirty="0"/>
+              <a:t>};</a:t>
+            </a:r>
+          </a:p>
+        </p:txBody>
+      </p:sp>
+      <p:sp>
+        <p:nvSpPr>
+          <p:cNvPr id="5" name="Content Placeholder 4"/>
+          <p:cNvSpPr>
+            <a:spLocks noGrp="1"/>
+          </p:cNvSpPr>
+          <p:nvPr>
+            <p:ph idx="10"/>
+          </p:nvPr>
+        </p:nvSpPr>
+        <p:spPr/>
+        <p:txBody>
+          <a:bodyPr/>
+          <a:lstStyle/>
+          <a:p>
+            <a:r>
+              <a:rPr lang="en-US" dirty="0">
+                <a:solidFill>
+                  <a:srgbClr val="00B0F0"/>
+                </a:solidFill>
+              </a:rPr>
+              <a:t>// exclude dependencies e.g. </a:t>
+            </a:r>
+            <a:r>
+              <a:rPr lang="en-US" dirty="0" err="1">
+                <a:solidFill>
+                  <a:srgbClr val="00B0F0"/>
+                </a:solidFill>
+              </a:rPr>
+              <a:t>jquery</a:t>
+            </a:r>
+            <a:endParaRPr lang="en-US" dirty="0">
+              <a:solidFill>
+                <a:srgbClr val="00B0F0"/>
+              </a:solidFill>
+            </a:endParaRPr>
+          </a:p>
+          <a:p>
+            <a:r>
+              <a:rPr lang="en-US" dirty="0">
+                <a:solidFill>
+                  <a:schemeClr val="bg1"/>
+                </a:solidFill>
+              </a:rPr>
+              <a:t>externals: {</a:t>
+            </a:r>
+          </a:p>
+          <a:p>
+            <a:r>
+              <a:rPr lang="en-US" dirty="0">
+                <a:solidFill>
+                  <a:schemeClr val="bg1"/>
+                </a:solidFill>
+              </a:rPr>
+              <a:t>    </a:t>
+            </a:r>
+            <a:r>
+              <a:rPr lang="en-US" dirty="0" err="1">
+                <a:solidFill>
+                  <a:schemeClr val="bg1"/>
+                </a:solidFill>
+              </a:rPr>
+              <a:t>jquery</a:t>
+            </a:r>
+            <a:r>
+              <a:rPr lang="en-US" dirty="0">
+                <a:solidFill>
+                  <a:schemeClr val="bg1"/>
+                </a:solidFill>
+              </a:rPr>
+              <a:t>: "jQuery" </a:t>
+            </a:r>
+          </a:p>
+          <a:p>
+            <a:r>
+              <a:rPr lang="en-US" dirty="0">
+                <a:solidFill>
+                  <a:schemeClr val="bg1"/>
+                </a:solidFill>
+              </a:rPr>
+              <a:t>}</a:t>
+            </a:r>
+          </a:p>
+        </p:txBody>
+      </p:sp>
+    </p:spTree>
+    <p:extLst>
+      <p:ext uri="{BB962C8B-B14F-4D97-AF65-F5344CB8AC3E}">
+        <p14:creationId xmlns:p14="http://schemas.microsoft.com/office/powerpoint/2010/main" val="2725648266"/>
       </p:ext>
     </p:extLst>
   </p:cSld>
@@ -10008,6 +11000,598 @@
     <p:extLst>
       <p:ext uri="{BB962C8B-B14F-4D97-AF65-F5344CB8AC3E}">
         <p14:creationId xmlns:p14="http://schemas.microsoft.com/office/powerpoint/2010/main" val="541660789"/>
+      </p:ext>
+    </p:extLst>
+  </p:cSld>
+  <p:clrMapOvr>
+    <a:masterClrMapping/>
+  </p:clrMapOvr>
+</p:sld>
+</file>
+
+<file path=ppt/slides/slide40.xml><?xml version="1.0" encoding="utf-8"?>
+<p:sld xmlns:a="http://schemas.openxmlformats.org/drawingml/2006/main" xmlns:r="http://schemas.openxmlformats.org/officeDocument/2006/relationships" xmlns:p="http://schemas.openxmlformats.org/presentationml/2006/main">
+  <p:cSld>
+    <p:spTree>
+      <p:nvGrpSpPr>
+        <p:cNvPr id="1" name=""/>
+        <p:cNvGrpSpPr/>
+        <p:nvPr/>
+      </p:nvGrpSpPr>
+      <p:grpSpPr>
+        <a:xfrm>
+          <a:off x="0" y="0"/>
+          <a:ext cx="0" cy="0"/>
+          <a:chOff x="0" y="0"/>
+          <a:chExt cx="0" cy="0"/>
+        </a:xfrm>
+      </p:grpSpPr>
+      <p:sp>
+        <p:nvSpPr>
+          <p:cNvPr id="2" name="Title 1"/>
+          <p:cNvSpPr>
+            <a:spLocks noGrp="1"/>
+          </p:cNvSpPr>
+          <p:nvPr>
+            <p:ph type="title"/>
+          </p:nvPr>
+        </p:nvSpPr>
+        <p:spPr/>
+        <p:txBody>
+          <a:bodyPr/>
+          <a:lstStyle/>
+          <a:p>
+            <a:r>
+              <a:rPr lang="en-US" dirty="0" err="1"/>
+              <a:t>Webpack</a:t>
+            </a:r>
+            <a:r>
+              <a:rPr lang="en-US" dirty="0"/>
+              <a:t> – </a:t>
+            </a:r>
+            <a:r>
+              <a:rPr lang="en-US" dirty="0" err="1"/>
+              <a:t>ReactJS</a:t>
+            </a:r>
+            <a:endParaRPr lang="en-US" dirty="0"/>
+          </a:p>
+        </p:txBody>
+      </p:sp>
+      <p:sp>
+        <p:nvSpPr>
+          <p:cNvPr id="5" name="Content Placeholder 4"/>
+          <p:cNvSpPr>
+            <a:spLocks noGrp="1"/>
+          </p:cNvSpPr>
+          <p:nvPr>
+            <p:ph idx="1"/>
+          </p:nvPr>
+        </p:nvSpPr>
+        <p:spPr/>
+        <p:txBody>
+          <a:bodyPr>
+            <a:normAutofit/>
+          </a:bodyPr>
+          <a:lstStyle/>
+          <a:p>
+            <a:pPr marL="457200" indent="-457200">
+              <a:buFontTx/>
+              <a:buChar char="-"/>
+            </a:pPr>
+            <a:r>
+              <a:rPr lang="en-US" dirty="0"/>
+              <a:t>needs a way to load </a:t>
+            </a:r>
+            <a:r>
+              <a:rPr lang="en-US" dirty="0" err="1"/>
+              <a:t>jsx</a:t>
+            </a:r>
+            <a:r>
+              <a:rPr lang="en-US" dirty="0"/>
+              <a:t> files – use babel-loader with the following presets: </a:t>
+            </a:r>
+            <a:r>
+              <a:rPr lang="en-US" dirty="0">
+                <a:solidFill>
+                  <a:srgbClr val="00B0F0"/>
+                </a:solidFill>
+              </a:rPr>
+              <a:t>es2015+ </a:t>
+            </a:r>
+            <a:r>
+              <a:rPr lang="en-US" dirty="0"/>
+              <a:t>and </a:t>
+            </a:r>
+            <a:r>
+              <a:rPr lang="en-US" dirty="0">
+                <a:solidFill>
+                  <a:srgbClr val="00B0F0"/>
+                </a:solidFill>
+              </a:rPr>
+              <a:t>react </a:t>
+            </a:r>
+            <a:r>
+              <a:rPr lang="en-US" dirty="0">
+                <a:solidFill>
+                  <a:schemeClr val="bg1"/>
+                </a:solidFill>
+              </a:rPr>
+              <a:t>to work</a:t>
+            </a:r>
+          </a:p>
+          <a:p>
+            <a:pPr marL="457200" indent="-457200">
+              <a:buFontTx/>
+              <a:buChar char="-"/>
+            </a:pPr>
+            <a:r>
+              <a:rPr lang="en-US" dirty="0">
+                <a:solidFill>
+                  <a:schemeClr val="bg1"/>
+                </a:solidFill>
+              </a:rPr>
+              <a:t>to get a comfortable development  environment we can enable react hot loading, linting </a:t>
+            </a:r>
+            <a:r>
+              <a:rPr lang="en-US" dirty="0" err="1">
+                <a:solidFill>
+                  <a:schemeClr val="bg1"/>
+                </a:solidFill>
+              </a:rPr>
+              <a:t>etc</a:t>
+            </a:r>
+            <a:endParaRPr lang="en-US" dirty="0">
+              <a:solidFill>
+                <a:srgbClr val="00B0F0"/>
+              </a:solidFill>
+            </a:endParaRPr>
+          </a:p>
+          <a:p>
+            <a:pPr marL="457200" indent="-457200">
+              <a:buFontTx/>
+              <a:buChar char="-"/>
+            </a:pPr>
+            <a:r>
+              <a:rPr lang="en-US" dirty="0">
+                <a:solidFill>
+                  <a:schemeClr val="bg1"/>
+                </a:solidFill>
+              </a:rPr>
+              <a:t>can use the </a:t>
+            </a:r>
+            <a:r>
+              <a:rPr lang="en-US" dirty="0">
+                <a:solidFill>
+                  <a:srgbClr val="00B0F0"/>
+                </a:solidFill>
+              </a:rPr>
+              <a:t>create-react-app</a:t>
+            </a:r>
+            <a:r>
+              <a:rPr lang="en-US" dirty="0">
+                <a:solidFill>
+                  <a:schemeClr val="bg1"/>
+                </a:solidFill>
+              </a:rPr>
+              <a:t> cli tool to generate a fully configured </a:t>
+            </a:r>
+            <a:r>
+              <a:rPr lang="en-US" dirty="0" err="1">
+                <a:solidFill>
+                  <a:schemeClr val="bg1"/>
+                </a:solidFill>
+              </a:rPr>
+              <a:t>ReactJS</a:t>
+            </a:r>
+            <a:r>
+              <a:rPr lang="en-US" dirty="0">
+                <a:solidFill>
+                  <a:schemeClr val="bg1"/>
+                </a:solidFill>
+              </a:rPr>
+              <a:t> project powered by </a:t>
+            </a:r>
+            <a:r>
+              <a:rPr lang="en-US" dirty="0" err="1">
+                <a:solidFill>
+                  <a:schemeClr val="bg1"/>
+                </a:solidFill>
+              </a:rPr>
+              <a:t>webpack</a:t>
+            </a:r>
+            <a:endParaRPr lang="en-US" dirty="0">
+              <a:solidFill>
+                <a:schemeClr val="bg1"/>
+              </a:solidFill>
+            </a:endParaRPr>
+          </a:p>
+        </p:txBody>
+      </p:sp>
+    </p:spTree>
+    <p:extLst>
+      <p:ext uri="{BB962C8B-B14F-4D97-AF65-F5344CB8AC3E}">
+        <p14:creationId xmlns:p14="http://schemas.microsoft.com/office/powerpoint/2010/main" val="2285577866"/>
+      </p:ext>
+    </p:extLst>
+  </p:cSld>
+  <p:clrMapOvr>
+    <a:masterClrMapping/>
+  </p:clrMapOvr>
+</p:sld>
+</file>
+
+<file path=ppt/slides/slide41.xml><?xml version="1.0" encoding="utf-8"?>
+<p:sld xmlns:a="http://schemas.openxmlformats.org/drawingml/2006/main" xmlns:r="http://schemas.openxmlformats.org/officeDocument/2006/relationships" xmlns:p="http://schemas.openxmlformats.org/presentationml/2006/main">
+  <p:cSld>
+    <p:spTree>
+      <p:nvGrpSpPr>
+        <p:cNvPr id="1" name=""/>
+        <p:cNvGrpSpPr/>
+        <p:nvPr/>
+      </p:nvGrpSpPr>
+      <p:grpSpPr>
+        <a:xfrm>
+          <a:off x="0" y="0"/>
+          <a:ext cx="0" cy="0"/>
+          <a:chOff x="0" y="0"/>
+          <a:chExt cx="0" cy="0"/>
+        </a:xfrm>
+      </p:grpSpPr>
+      <p:sp>
+        <p:nvSpPr>
+          <p:cNvPr id="2" name="Title 1"/>
+          <p:cNvSpPr>
+            <a:spLocks noGrp="1"/>
+          </p:cNvSpPr>
+          <p:nvPr>
+            <p:ph type="title"/>
+          </p:nvPr>
+        </p:nvSpPr>
+        <p:spPr/>
+        <p:txBody>
+          <a:bodyPr/>
+          <a:lstStyle/>
+          <a:p>
+            <a:r>
+              <a:rPr lang="en-US" dirty="0" err="1"/>
+              <a:t>Webpack</a:t>
+            </a:r>
+            <a:r>
+              <a:rPr lang="en-US" dirty="0"/>
+              <a:t> – Angular 2</a:t>
+            </a:r>
+          </a:p>
+        </p:txBody>
+      </p:sp>
+      <p:sp>
+        <p:nvSpPr>
+          <p:cNvPr id="3" name="Content Placeholder 2"/>
+          <p:cNvSpPr>
+            <a:spLocks noGrp="1"/>
+          </p:cNvSpPr>
+          <p:nvPr>
+            <p:ph idx="1"/>
+          </p:nvPr>
+        </p:nvSpPr>
+        <p:spPr/>
+        <p:txBody>
+          <a:bodyPr>
+            <a:normAutofit fontScale="92500" lnSpcReduction="10000"/>
+          </a:bodyPr>
+          <a:lstStyle/>
+          <a:p>
+            <a:pPr marL="457200" indent="-457200">
+              <a:buFontTx/>
+              <a:buChar char="-"/>
+            </a:pPr>
+            <a:r>
+              <a:rPr lang="en-US" dirty="0"/>
+              <a:t>optionally use the </a:t>
+            </a:r>
+            <a:r>
+              <a:rPr lang="en-US" dirty="0" err="1"/>
+              <a:t>ts</a:t>
+            </a:r>
+            <a:r>
+              <a:rPr lang="en-US" dirty="0"/>
+              <a:t>-loader/awesome-typescript-loader if </a:t>
+            </a:r>
+            <a:r>
+              <a:rPr lang="en-US" dirty="0" err="1"/>
+              <a:t>TypeScript</a:t>
+            </a:r>
+            <a:r>
+              <a:rPr lang="en-US" dirty="0"/>
+              <a:t> is required</a:t>
+            </a:r>
+          </a:p>
+          <a:p>
+            <a:pPr marL="457200" indent="-457200">
+              <a:buFontTx/>
+              <a:buChar char="-"/>
+            </a:pPr>
+            <a:r>
+              <a:rPr lang="en-US" dirty="0"/>
+              <a:t>requires angular2-template-loader for loading component templates/styles</a:t>
+            </a:r>
+          </a:p>
+          <a:p>
+            <a:pPr marL="457200" indent="-457200">
+              <a:buFontTx/>
+              <a:buChar char="-"/>
+            </a:pPr>
+            <a:r>
+              <a:rPr lang="en-US" dirty="0"/>
+              <a:t>again, a lot of configuration needed for a comfortable development environment, can start off with a </a:t>
+            </a:r>
+            <a:r>
+              <a:rPr lang="en-US" dirty="0" err="1"/>
+              <a:t>scaffolded</a:t>
+            </a:r>
+            <a:r>
+              <a:rPr lang="en-US" dirty="0"/>
+              <a:t> project </a:t>
+            </a:r>
+            <a:r>
+              <a:rPr lang="en-US" dirty="0">
+                <a:solidFill>
+                  <a:srgbClr val="00B0F0"/>
+                </a:solidFill>
+              </a:rPr>
+              <a:t>https://github.com/AngularClass/angular2-webpack-starter</a:t>
+            </a:r>
+          </a:p>
+          <a:p>
+            <a:endParaRPr lang="en-US" dirty="0"/>
+          </a:p>
+          <a:p>
+            <a:endParaRPr lang="en-US" dirty="0"/>
+          </a:p>
+        </p:txBody>
+      </p:sp>
+    </p:spTree>
+    <p:extLst>
+      <p:ext uri="{BB962C8B-B14F-4D97-AF65-F5344CB8AC3E}">
+        <p14:creationId xmlns:p14="http://schemas.microsoft.com/office/powerpoint/2010/main" val="129062944"/>
+      </p:ext>
+    </p:extLst>
+  </p:cSld>
+  <p:clrMapOvr>
+    <a:masterClrMapping/>
+  </p:clrMapOvr>
+</p:sld>
+</file>
+
+<file path=ppt/slides/slide42.xml><?xml version="1.0" encoding="utf-8"?>
+<p:sld xmlns:a="http://schemas.openxmlformats.org/drawingml/2006/main" xmlns:r="http://schemas.openxmlformats.org/officeDocument/2006/relationships" xmlns:p="http://schemas.openxmlformats.org/presentationml/2006/main">
+  <p:cSld>
+    <p:spTree>
+      <p:nvGrpSpPr>
+        <p:cNvPr id="1" name=""/>
+        <p:cNvGrpSpPr/>
+        <p:nvPr/>
+      </p:nvGrpSpPr>
+      <p:grpSpPr>
+        <a:xfrm>
+          <a:off x="0" y="0"/>
+          <a:ext cx="0" cy="0"/>
+          <a:chOff x="0" y="0"/>
+          <a:chExt cx="0" cy="0"/>
+        </a:xfrm>
+      </p:grpSpPr>
+      <p:sp>
+        <p:nvSpPr>
+          <p:cNvPr id="2" name="Title 1"/>
+          <p:cNvSpPr>
+            <a:spLocks noGrp="1"/>
+          </p:cNvSpPr>
+          <p:nvPr>
+            <p:ph type="title"/>
+          </p:nvPr>
+        </p:nvSpPr>
+        <p:spPr/>
+        <p:txBody>
+          <a:bodyPr/>
+          <a:lstStyle/>
+          <a:p>
+            <a:r>
+              <a:rPr lang="en-US" dirty="0"/>
+              <a:t>Comparison to similar tools</a:t>
+            </a:r>
+          </a:p>
+        </p:txBody>
+      </p:sp>
+      <p:sp>
+        <p:nvSpPr>
+          <p:cNvPr id="3" name="Content Placeholder 2"/>
+          <p:cNvSpPr>
+            <a:spLocks noGrp="1"/>
+          </p:cNvSpPr>
+          <p:nvPr>
+            <p:ph idx="1"/>
+          </p:nvPr>
+        </p:nvSpPr>
+        <p:spPr/>
+        <p:txBody>
+          <a:bodyPr>
+            <a:normAutofit fontScale="77500" lnSpcReduction="20000"/>
+          </a:bodyPr>
+          <a:lstStyle/>
+          <a:p>
+            <a:pPr marL="457200" indent="-457200">
+              <a:buFontTx/>
+              <a:buChar char="-"/>
+            </a:pPr>
+            <a:r>
+              <a:rPr lang="en-US" dirty="0" err="1"/>
+              <a:t>Browserify</a:t>
+            </a:r>
+            <a:r>
+              <a:rPr lang="en-US" dirty="0"/>
+              <a:t> - </a:t>
+            </a:r>
+            <a:r>
+              <a:rPr lang="en-US" dirty="0" err="1"/>
+              <a:t>webpack</a:t>
+            </a:r>
+            <a:r>
+              <a:rPr lang="en-US" dirty="0"/>
+              <a:t> is more popular and has more features out of the box, but both are module bundlers so comes down to personal preference</a:t>
+            </a:r>
+          </a:p>
+          <a:p>
+            <a:pPr marL="457200" indent="-457200">
+              <a:buFontTx/>
+              <a:buChar char="-"/>
+            </a:pPr>
+            <a:endParaRPr lang="en-US" dirty="0"/>
+          </a:p>
+          <a:p>
+            <a:pPr marL="457200" indent="-457200">
+              <a:buFontTx/>
+              <a:buChar char="-"/>
+            </a:pPr>
+            <a:r>
+              <a:rPr lang="en-US" dirty="0"/>
+              <a:t>Gulp/Grunt – task runners, can be used instead of </a:t>
+            </a:r>
+            <a:r>
+              <a:rPr lang="en-US" dirty="0" err="1"/>
+              <a:t>npm</a:t>
+            </a:r>
+            <a:r>
+              <a:rPr lang="en-US" dirty="0"/>
+              <a:t> scripts, but require a learning curve</a:t>
+            </a:r>
+          </a:p>
+          <a:p>
+            <a:pPr marL="457200" indent="-457200">
+              <a:buFontTx/>
+              <a:buChar char="-"/>
+            </a:pPr>
+            <a:endParaRPr lang="en-US" dirty="0"/>
+          </a:p>
+          <a:p>
+            <a:pPr marL="457200" indent="-457200">
+              <a:buFontTx/>
+              <a:buChar char="-"/>
+            </a:pPr>
+            <a:r>
+              <a:rPr lang="en-US" dirty="0"/>
+              <a:t>Bower vs </a:t>
+            </a:r>
+            <a:r>
+              <a:rPr lang="en-US" dirty="0" err="1"/>
+              <a:t>npm</a:t>
+            </a:r>
+            <a:r>
+              <a:rPr lang="en-US" dirty="0"/>
+              <a:t> with </a:t>
+            </a:r>
+            <a:r>
+              <a:rPr lang="en-US" dirty="0" err="1"/>
+              <a:t>Webpack</a:t>
+            </a:r>
+            <a:r>
+              <a:rPr lang="en-US" dirty="0"/>
+              <a:t> – prefer </a:t>
+            </a:r>
+            <a:r>
+              <a:rPr lang="en-US" dirty="0" err="1"/>
+              <a:t>npm</a:t>
+            </a:r>
+            <a:r>
+              <a:rPr lang="en-US" dirty="0"/>
+              <a:t> since </a:t>
+            </a:r>
+            <a:r>
+              <a:rPr lang="en-US" dirty="0" err="1"/>
+              <a:t>Webpack</a:t>
+            </a:r>
+            <a:r>
+              <a:rPr lang="en-US" dirty="0"/>
+              <a:t> handles </a:t>
+            </a:r>
+            <a:r>
+              <a:rPr lang="en-US" dirty="0" err="1"/>
+              <a:t>CommonJS</a:t>
+            </a:r>
+            <a:r>
+              <a:rPr lang="en-US" dirty="0"/>
+              <a:t> modules the best – which </a:t>
+            </a:r>
+            <a:r>
+              <a:rPr lang="en-US" dirty="0" err="1"/>
+              <a:t>npm</a:t>
+            </a:r>
+            <a:r>
+              <a:rPr lang="en-US" dirty="0"/>
+              <a:t> packages are.</a:t>
+            </a:r>
+          </a:p>
+        </p:txBody>
+      </p:sp>
+    </p:spTree>
+    <p:extLst>
+      <p:ext uri="{BB962C8B-B14F-4D97-AF65-F5344CB8AC3E}">
+        <p14:creationId xmlns:p14="http://schemas.microsoft.com/office/powerpoint/2010/main" val="2832748363"/>
+      </p:ext>
+    </p:extLst>
+  </p:cSld>
+  <p:clrMapOvr>
+    <a:masterClrMapping/>
+  </p:clrMapOvr>
+</p:sld>
+</file>
+
+<file path=ppt/slides/slide43.xml><?xml version="1.0" encoding="utf-8"?>
+<p:sld xmlns:a="http://schemas.openxmlformats.org/drawingml/2006/main" xmlns:r="http://schemas.openxmlformats.org/officeDocument/2006/relationships" xmlns:p="http://schemas.openxmlformats.org/presentationml/2006/main">
+  <p:cSld>
+    <p:spTree>
+      <p:nvGrpSpPr>
+        <p:cNvPr id="1" name=""/>
+        <p:cNvGrpSpPr/>
+        <p:nvPr/>
+      </p:nvGrpSpPr>
+      <p:grpSpPr>
+        <a:xfrm>
+          <a:off x="0" y="0"/>
+          <a:ext cx="0" cy="0"/>
+          <a:chOff x="0" y="0"/>
+          <a:chExt cx="0" cy="0"/>
+        </a:xfrm>
+      </p:grpSpPr>
+      <p:sp>
+        <p:nvSpPr>
+          <p:cNvPr id="4" name="Title 3"/>
+          <p:cNvSpPr>
+            <a:spLocks noGrp="1"/>
+          </p:cNvSpPr>
+          <p:nvPr>
+            <p:ph type="title"/>
+          </p:nvPr>
+        </p:nvSpPr>
+        <p:spPr>
+          <a:xfrm>
+            <a:off x="3594720" y="2143125"/>
+            <a:ext cx="1954560" cy="857250"/>
+          </a:xfrm>
+        </p:spPr>
+        <p:txBody>
+          <a:bodyPr/>
+          <a:lstStyle/>
+          <a:p>
+            <a:r>
+              <a:rPr lang="en-US" dirty="0"/>
+              <a:t>Thank you!</a:t>
+            </a:r>
+          </a:p>
+        </p:txBody>
+      </p:sp>
+    </p:spTree>
+    <p:extLst>
+      <p:ext uri="{BB962C8B-B14F-4D97-AF65-F5344CB8AC3E}">
+        <p14:creationId xmlns:p14="http://schemas.microsoft.com/office/powerpoint/2010/main" val="2491662797"/>
       </p:ext>
     </p:extLst>
   </p:cSld>
@@ -11327,4 +12911,299 @@
   <a:objectDefaults/>
   <a:extraClrSchemeLst/>
 </a:theme>
+</file>
+
+<file path=ppt/theme/theme2.xml><?xml version="1.0" encoding="utf-8"?>
+<a:theme xmlns:a="http://schemas.openxmlformats.org/drawingml/2006/main" name="Office Theme">
+  <a:themeElements>
+    <a:clrScheme name="Office">
+      <a:dk1>
+        <a:sysClr val="windowText" lastClr="000000"/>
+      </a:dk1>
+      <a:lt1>
+        <a:sysClr val="window" lastClr="FFFFFF"/>
+      </a:lt1>
+      <a:dk2>
+        <a:srgbClr val="44546A"/>
+      </a:dk2>
+      <a:lt2>
+        <a:srgbClr val="E7E6E6"/>
+      </a:lt2>
+      <a:accent1>
+        <a:srgbClr val="4472C4"/>
+      </a:accent1>
+      <a:accent2>
+        <a:srgbClr val="ED7D31"/>
+      </a:accent2>
+      <a:accent3>
+        <a:srgbClr val="A5A5A5"/>
+      </a:accent3>
+      <a:accent4>
+        <a:srgbClr val="FFC000"/>
+      </a:accent4>
+      <a:accent5>
+        <a:srgbClr val="5B9BD5"/>
+      </a:accent5>
+      <a:accent6>
+        <a:srgbClr val="70AD47"/>
+      </a:accent6>
+      <a:hlink>
+        <a:srgbClr val="0563C1"/>
+      </a:hlink>
+      <a:folHlink>
+        <a:srgbClr val="954F72"/>
+      </a:folHlink>
+    </a:clrScheme>
+    <a:fontScheme name="Office">
+      <a:majorFont>
+        <a:latin typeface="Calibri Light" panose="020F0302020204030204"/>
+        <a:ea typeface=""/>
+        <a:cs typeface=""/>
+        <a:font script="Jpan" typeface="游ゴシック Light"/>
+        <a:font script="Hang" typeface="맑은 고딕"/>
+        <a:font script="Hans" typeface="等线 Light"/>
+        <a:font script="Hant" typeface="新細明體"/>
+        <a:font script="Arab" typeface="Times New Roman"/>
+        <a:font script="Hebr" typeface="Times New Roman"/>
+        <a:font script="Thai" typeface="Angsana New"/>
+        <a:font script="Ethi" typeface="Nyala"/>
+        <a:font script="Beng" typeface="Vrinda"/>
+        <a:font script="Gujr" typeface="Shruti"/>
+        <a:font script="Khmr" typeface="MoolBoran"/>
+        <a:font script="Knda" typeface="Tunga"/>
+        <a:font script="Guru" typeface="Raavi"/>
+        <a:font script="Cans" typeface="Euphemia"/>
+        <a:font script="Cher" typeface="Plantagenet Cherokee"/>
+        <a:font script="Yiii" typeface="Microsoft Yi Baiti"/>
+        <a:font script="Tibt" typeface="Microsoft Himalaya"/>
+        <a:font script="Thaa" typeface="MV Boli"/>
+        <a:font script="Deva" typeface="Mangal"/>
+        <a:font script="Telu" typeface="Gautami"/>
+        <a:font script="Taml" typeface="Latha"/>
+        <a:font script="Syrc" typeface="Estrangelo Edessa"/>
+        <a:font script="Orya" typeface="Kalinga"/>
+        <a:font script="Mlym" typeface="Kartika"/>
+        <a:font script="Laoo" typeface="DokChampa"/>
+        <a:font script="Sinh" typeface="Iskoola Pota"/>
+        <a:font script="Mong" typeface="Mongolian Baiti"/>
+        <a:font script="Viet" typeface="Times New Roman"/>
+        <a:font script="Uigh" typeface="Microsoft Uighur"/>
+        <a:font script="Geor" typeface="Sylfaen"/>
+        <a:font script="Armn" typeface="Arial"/>
+        <a:font script="Bugi" typeface="Leelawadee UI"/>
+        <a:font script="Bopo" typeface="Microsoft JhengHei"/>
+        <a:font script="Java" typeface="Javanese Text"/>
+        <a:font script="Lisu" typeface="Segoe UI"/>
+        <a:font script="Mymr" typeface="Myanmar Text"/>
+        <a:font script="Nkoo" typeface="Ebrima"/>
+        <a:font script="Olck" typeface="Nirmala UI"/>
+        <a:font script="Osma" typeface="Ebrima"/>
+        <a:font script="Phag" typeface="Phagspa"/>
+        <a:font script="Syrn" typeface="Estrangelo Edessa"/>
+        <a:font script="Syrj" typeface="Estrangelo Edessa"/>
+        <a:font script="Syre" typeface="Estrangelo Edessa"/>
+        <a:font script="Sora" typeface="Nirmala UI"/>
+        <a:font script="Tale" typeface="Microsoft Tai Le"/>
+        <a:font script="Talu" typeface="Microsoft New Tai Lue"/>
+        <a:font script="Tfng" typeface="Ebrima"/>
+      </a:majorFont>
+      <a:minorFont>
+        <a:latin typeface="Calibri" panose="020F0502020204030204"/>
+        <a:ea typeface=""/>
+        <a:cs typeface=""/>
+        <a:font script="Jpan" typeface="游ゴシック"/>
+        <a:font script="Hang" typeface="맑은 고딕"/>
+        <a:font script="Hans" typeface="等线"/>
+        <a:font script="Hant" typeface="新細明體"/>
+        <a:font script="Arab" typeface="Arial"/>
+        <a:font script="Hebr" typeface="Arial"/>
+        <a:font script="Thai" typeface="Cordia New"/>
+        <a:font script="Ethi" typeface="Nyala"/>
+        <a:font script="Beng" typeface="Vrinda"/>
+        <a:font script="Gujr" typeface="Shruti"/>
+        <a:font script="Khmr" typeface="DaunPenh"/>
+        <a:font script="Knda" typeface="Tunga"/>
+        <a:font script="Guru" typeface="Raavi"/>
+        <a:font script="Cans" typeface="Euphemia"/>
+        <a:font script="Cher" typeface="Plantagenet Cherokee"/>
+        <a:font script="Yiii" typeface="Microsoft Yi Baiti"/>
+        <a:font script="Tibt" typeface="Microsoft Himalaya"/>
+        <a:font script="Thaa" typeface="MV Boli"/>
+        <a:font script="Deva" typeface="Mangal"/>
+        <a:font script="Telu" typeface="Gautami"/>
+        <a:font script="Taml" typeface="Latha"/>
+        <a:font script="Syrc" typeface="Estrangelo Edessa"/>
+        <a:font script="Orya" typeface="Kalinga"/>
+        <a:font script="Mlym" typeface="Kartika"/>
+        <a:font script="Laoo" typeface="DokChampa"/>
+        <a:font script="Sinh" typeface="Iskoola Pota"/>
+        <a:font script="Mong" typeface="Mongolian Baiti"/>
+        <a:font script="Viet" typeface="Arial"/>
+        <a:font script="Uigh" typeface="Microsoft Uighur"/>
+        <a:font script="Geor" typeface="Sylfaen"/>
+        <a:font script="Armn" typeface="Arial"/>
+        <a:font script="Bugi" typeface="Leelawadee UI"/>
+        <a:font script="Bopo" typeface="Microsoft JhengHei"/>
+        <a:font script="Java" typeface="Javanese Text"/>
+        <a:font script="Lisu" typeface="Segoe UI"/>
+        <a:font script="Mymr" typeface="Myanmar Text"/>
+        <a:font script="Nkoo" typeface="Ebrima"/>
+        <a:font script="Olck" typeface="Nirmala UI"/>
+        <a:font script="Osma" typeface="Ebrima"/>
+        <a:font script="Phag" typeface="Phagspa"/>
+        <a:font script="Syrn" typeface="Estrangelo Edessa"/>
+        <a:font script="Syrj" typeface="Estrangelo Edessa"/>
+        <a:font script="Syre" typeface="Estrangelo Edessa"/>
+        <a:font script="Sora" typeface="Nirmala UI"/>
+        <a:font script="Tale" typeface="Microsoft Tai Le"/>
+        <a:font script="Talu" typeface="Microsoft New Tai Lue"/>
+        <a:font script="Tfng" typeface="Ebrima"/>
+      </a:minorFont>
+    </a:fontScheme>
+    <a:fmtScheme name="Office">
+      <a:fillStyleLst>
+        <a:solidFill>
+          <a:schemeClr val="phClr"/>
+        </a:solidFill>
+        <a:gradFill rotWithShape="1">
+          <a:gsLst>
+            <a:gs pos="0">
+              <a:schemeClr val="phClr">
+                <a:lumMod val="110000"/>
+                <a:satMod val="105000"/>
+                <a:tint val="67000"/>
+              </a:schemeClr>
+            </a:gs>
+            <a:gs pos="50000">
+              <a:schemeClr val="phClr">
+                <a:lumMod val="105000"/>
+                <a:satMod val="103000"/>
+                <a:tint val="73000"/>
+              </a:schemeClr>
+            </a:gs>
+            <a:gs pos="100000">
+              <a:schemeClr val="phClr">
+                <a:lumMod val="105000"/>
+                <a:satMod val="109000"/>
+                <a:tint val="81000"/>
+              </a:schemeClr>
+            </a:gs>
+          </a:gsLst>
+          <a:lin ang="5400000" scaled="0"/>
+        </a:gradFill>
+        <a:gradFill rotWithShape="1">
+          <a:gsLst>
+            <a:gs pos="0">
+              <a:schemeClr val="phClr">
+                <a:satMod val="103000"/>
+                <a:lumMod val="102000"/>
+                <a:tint val="94000"/>
+              </a:schemeClr>
+            </a:gs>
+            <a:gs pos="50000">
+              <a:schemeClr val="phClr">
+                <a:satMod val="110000"/>
+                <a:lumMod val="100000"/>
+                <a:shade val="100000"/>
+              </a:schemeClr>
+            </a:gs>
+            <a:gs pos="100000">
+              <a:schemeClr val="phClr">
+                <a:lumMod val="99000"/>
+                <a:satMod val="120000"/>
+                <a:shade val="78000"/>
+              </a:schemeClr>
+            </a:gs>
+          </a:gsLst>
+          <a:lin ang="5400000" scaled="0"/>
+        </a:gradFill>
+      </a:fillStyleLst>
+      <a:lnStyleLst>
+        <a:ln w="6350" cap="flat" cmpd="sng" algn="ctr">
+          <a:solidFill>
+            <a:schemeClr val="phClr"/>
+          </a:solidFill>
+          <a:prstDash val="solid"/>
+          <a:miter lim="800000"/>
+        </a:ln>
+        <a:ln w="12700" cap="flat" cmpd="sng" algn="ctr">
+          <a:solidFill>
+            <a:schemeClr val="phClr"/>
+          </a:solidFill>
+          <a:prstDash val="solid"/>
+          <a:miter lim="800000"/>
+        </a:ln>
+        <a:ln w="19050" cap="flat" cmpd="sng" algn="ctr">
+          <a:solidFill>
+            <a:schemeClr val="phClr"/>
+          </a:solidFill>
+          <a:prstDash val="solid"/>
+          <a:miter lim="800000"/>
+        </a:ln>
+      </a:lnStyleLst>
+      <a:effectStyleLst>
+        <a:effectStyle>
+          <a:effectLst/>
+        </a:effectStyle>
+        <a:effectStyle>
+          <a:effectLst/>
+        </a:effectStyle>
+        <a:effectStyle>
+          <a:effectLst>
+            <a:outerShdw blurRad="57150" dist="19050" dir="5400000" algn="ctr" rotWithShape="0">
+              <a:srgbClr val="000000">
+                <a:alpha val="63000"/>
+              </a:srgbClr>
+            </a:outerShdw>
+          </a:effectLst>
+        </a:effectStyle>
+      </a:effectStyleLst>
+      <a:bgFillStyleLst>
+        <a:solidFill>
+          <a:schemeClr val="phClr"/>
+        </a:solidFill>
+        <a:solidFill>
+          <a:schemeClr val="phClr">
+            <a:tint val="95000"/>
+            <a:satMod val="170000"/>
+          </a:schemeClr>
+        </a:solidFill>
+        <a:gradFill rotWithShape="1">
+          <a:gsLst>
+            <a:gs pos="0">
+              <a:schemeClr val="phClr">
+                <a:tint val="93000"/>
+                <a:satMod val="150000"/>
+                <a:shade val="98000"/>
+                <a:lumMod val="102000"/>
+              </a:schemeClr>
+            </a:gs>
+            <a:gs pos="50000">
+              <a:schemeClr val="phClr">
+                <a:tint val="98000"/>
+                <a:satMod val="130000"/>
+                <a:shade val="90000"/>
+                <a:lumMod val="103000"/>
+              </a:schemeClr>
+            </a:gs>
+            <a:gs pos="100000">
+              <a:schemeClr val="phClr">
+                <a:shade val="63000"/>
+                <a:satMod val="120000"/>
+              </a:schemeClr>
+            </a:gs>
+          </a:gsLst>
+          <a:lin ang="5400000" scaled="0"/>
+        </a:gradFill>
+      </a:bgFillStyleLst>
+    </a:fmtScheme>
+  </a:themeElements>
+  <a:objectDefaults/>
+  <a:extraClrSchemeLst/>
+  <a:extLst>
+    <a:ext uri="{05A4C25C-085E-4340-85A3-A5531E510DB2}">
+      <thm15:themeFamily xmlns:thm15="http://schemas.microsoft.com/office/thememl/2012/main" name="Office Theme" id="{62F939B6-93AF-4DB8-9C6B-D6C7DFDC589F}" vid="{4A3C46E8-61CC-4603-A589-7422A47A8E4A}"/>
+    </a:ext>
+  </a:extLst>
+</a:theme>
 </file>
--- a/webpack-introduction.pptx
+++ b/webpack-introduction.pptx
@@ -301,7 +301,7 @@
           <a:p>
             <a:fld id="{D13DFB7A-6BDE-4A91-AA23-4B1C85352FC7}" type="datetimeFigureOut">
               <a:rPr lang="en-US" smtClean="0"/>
-              <a:t>4/12/2017</a:t>
+              <a:t>4/13/2017</a:t>
             </a:fld>
             <a:endParaRPr lang="en-US"/>
           </a:p>
@@ -5357,24 +5357,21 @@
             </a:r>
           </a:p>
           <a:p>
-            <a:pPr marL="995363" lvl="1" indent="-457200">
-              <a:buFontTx/>
-              <a:buChar char="-"/>
-            </a:pPr>
-            <a:r>
-              <a:rPr lang="en-US" dirty="0"/>
-              <a:t>Angular.js</a:t>
-            </a:r>
-          </a:p>
-          <a:p>
             <a:pPr marL="457200" indent="-457200">
               <a:buFontTx/>
               <a:buChar char="-"/>
             </a:pPr>
             <a:r>
               <a:rPr lang="en-US" dirty="0"/>
-              <a:t>	</a:t>
-            </a:r>
+              <a:t>Comparison with similar tools</a:t>
+            </a:r>
+          </a:p>
+          <a:p>
+            <a:pPr marL="457200" indent="-457200">
+              <a:buFontTx/>
+              <a:buChar char="-"/>
+            </a:pPr>
+            <a:endParaRPr lang="en-US" dirty="0"/>
           </a:p>
           <a:p>
             <a:pPr marL="995363" lvl="1" indent="-457200">

--- a/webpack-introduction.pptx
+++ b/webpack-introduction.pptx
@@ -6078,13 +6078,8 @@
             </a:r>
             <a:r>
               <a:rPr lang="en-US" dirty="0"/>
-              <a:t> – base config with dev </a:t>
-            </a:r>
-            <a:r>
-              <a:rPr lang="en-US" dirty="0" err="1"/>
-              <a:t>erver</a:t>
-            </a:r>
-            <a:endParaRPr lang="en-US" dirty="0"/>
+              <a:t> – base config with dev server</a:t>
+            </a:r>
           </a:p>
         </p:txBody>
       </p:sp>
@@ -6650,13 +6645,8 @@
             </a:r>
             <a:r>
               <a:rPr lang="en-US" dirty="0"/>
-              <a:t> – base config with </a:t>
-            </a:r>
-            <a:r>
-              <a:rPr lang="en-US" dirty="0" err="1"/>
-              <a:t>devServer</a:t>
-            </a:r>
-            <a:endParaRPr lang="en-US" dirty="0"/>
+              <a:t> – base config with dev server</a:t>
+            </a:r>
           </a:p>
         </p:txBody>
       </p:sp>
@@ -9057,7 +9047,7 @@
             </a:r>
             <a:r>
               <a:rPr lang="en-US" dirty="0" err="1"/>
-              <a:t>css</a:t>
+              <a:t>scss</a:t>
             </a:r>
             <a:r>
               <a:rPr lang="en-US" dirty="0"/>
